--- a/presentations/sales_departament_presentation.pptx
+++ b/presentations/sales_departament_presentation.pptx
@@ -220,7 +220,7 @@
           </a:lstStyle>
           <a:p>
             <a:fld id="{DE7F3876-7BB5-4C2F-9277-5029908B29C6}" type="datetimeFigureOut">
-              <a:t>4/8/2024</a:t>
+              <a:t>11/6/2024</a:t>
             </a:fld>
             <a:endParaRPr lang="en-US"/>
           </a:p>
@@ -1028,7 +1028,7 @@
           <a:p>
             <a:fld id="{81B8F32D-D8B6-4B9E-9CBF-DCAC30B7B93D}" type="datetimeFigureOut">
               <a:rPr lang="en-US" smtClean="0"/>
-              <a:t>4/8/2024</a:t>
+              <a:t>11/6/2024</a:t>
             </a:fld>
             <a:endParaRPr lang="en-US"/>
           </a:p>
@@ -1356,7 +1356,7 @@
           <a:p>
             <a:fld id="{81B8F32D-D8B6-4B9E-9CBF-DCAC30B7B93D}" type="datetimeFigureOut">
               <a:rPr lang="en-US" smtClean="0"/>
-              <a:t>4/8/2024</a:t>
+              <a:t>11/6/2024</a:t>
             </a:fld>
             <a:endParaRPr lang="en-US"/>
           </a:p>
@@ -1673,7 +1673,7 @@
           <a:p>
             <a:fld id="{81B8F32D-D8B6-4B9E-9CBF-DCAC30B7B93D}" type="datetimeFigureOut">
               <a:rPr lang="en-US" smtClean="0"/>
-              <a:t>4/8/2024</a:t>
+              <a:t>11/6/2024</a:t>
             </a:fld>
             <a:endParaRPr lang="en-US"/>
           </a:p>
@@ -1892,7 +1892,7 @@
           <a:p>
             <a:fld id="{81B8F32D-D8B6-4B9E-9CBF-DCAC30B7B93D}" type="datetimeFigureOut">
               <a:rPr lang="en-US" smtClean="0"/>
-              <a:t>4/8/2024</a:t>
+              <a:t>11/6/2024</a:t>
             </a:fld>
             <a:endParaRPr lang="en-US"/>
           </a:p>
@@ -2252,7 +2252,7 @@
           <a:p>
             <a:fld id="{81B8F32D-D8B6-4B9E-9CBF-DCAC30B7B93D}" type="datetimeFigureOut">
               <a:rPr lang="en-US" smtClean="0"/>
-              <a:t>4/8/2024</a:t>
+              <a:t>11/6/2024</a:t>
             </a:fld>
             <a:endParaRPr lang="en-US"/>
           </a:p>
@@ -2735,7 +2735,7 @@
           <a:p>
             <a:fld id="{81B8F32D-D8B6-4B9E-9CBF-DCAC30B7B93D}" type="datetimeFigureOut">
               <a:rPr lang="en-US" smtClean="0"/>
-              <a:t>4/8/2024</a:t>
+              <a:t>11/6/2024</a:t>
             </a:fld>
             <a:endParaRPr lang="en-US"/>
           </a:p>
@@ -3282,7 +3282,7 @@
           <a:p>
             <a:fld id="{81B8F32D-D8B6-4B9E-9CBF-DCAC30B7B93D}" type="datetimeFigureOut">
               <a:rPr lang="en-US" smtClean="0"/>
-              <a:t>4/8/2024</a:t>
+              <a:t>11/6/2024</a:t>
             </a:fld>
             <a:endParaRPr lang="en-US"/>
           </a:p>
@@ -3511,7 +3511,7 @@
           <a:p>
             <a:fld id="{81B8F32D-D8B6-4B9E-9CBF-DCAC30B7B93D}" type="datetimeFigureOut">
               <a:rPr lang="en-US" smtClean="0"/>
-              <a:t>4/8/2024</a:t>
+              <a:t>11/6/2024</a:t>
             </a:fld>
             <a:endParaRPr lang="en-US"/>
           </a:p>
@@ -3728,7 +3728,7 @@
           <a:p>
             <a:fld id="{81B8F32D-D8B6-4B9E-9CBF-DCAC30B7B93D}" type="datetimeFigureOut">
               <a:rPr lang="en-US" smtClean="0"/>
-              <a:t>4/8/2024</a:t>
+              <a:t>11/6/2024</a:t>
             </a:fld>
             <a:endParaRPr lang="en-US"/>
           </a:p>
@@ -4070,7 +4070,7 @@
           <a:p>
             <a:fld id="{81B8F32D-D8B6-4B9E-9CBF-DCAC30B7B93D}" type="datetimeFigureOut">
               <a:rPr lang="en-US" smtClean="0"/>
-              <a:t>4/8/2024</a:t>
+              <a:t>11/6/2024</a:t>
             </a:fld>
             <a:endParaRPr lang="en-US"/>
           </a:p>
@@ -4392,7 +4392,7 @@
           <a:p>
             <a:fld id="{81B8F32D-D8B6-4B9E-9CBF-DCAC30B7B93D}" type="datetimeFigureOut">
               <a:rPr lang="en-US" smtClean="0"/>
-              <a:t>4/8/2024</a:t>
+              <a:t>11/6/2024</a:t>
             </a:fld>
             <a:endParaRPr lang="en-US"/>
           </a:p>
@@ -4645,7 +4645,7 @@
             <a:fld id="{81B8F32D-D8B6-4B9E-9CBF-DCAC30B7B93D}" type="datetimeFigureOut">
               <a:rPr lang="en-US" smtClean="0"/>
               <a:pPr/>
-              <a:t>4/8/2024</a:t>
+              <a:t>11/6/2024</a:t>
             </a:fld>
             <a:endParaRPr lang="en-US" dirty="0"/>
           </a:p>
@@ -6234,11 +6234,18 @@
               <a:buChar char="•"/>
             </a:pPr>
             <a:r>
+              <a:rPr lang="en-US">
+                <a:ea typeface="+mn-lt"/>
+                <a:cs typeface="+mn-lt"/>
+              </a:rPr>
+              <a:t>Pause </a:t>
+            </a:r>
+            <a:r>
               <a:rPr lang="en-US" dirty="0">
                 <a:ea typeface="+mn-lt"/>
                 <a:cs typeface="+mn-lt"/>
               </a:rPr>
-              <a:t>Stop selling </a:t>
+              <a:t>selling </a:t>
             </a:r>
             <a:r>
               <a:rPr lang="en-US" b="1" dirty="0">
@@ -9392,7 +9399,7 @@
               </a:rPr>
               <a:t>. </a:t>
             </a:r>
-            <a:endParaRPr lang="en-US"/>
+            <a:endParaRPr lang="en-US" dirty="0"/>
           </a:p>
           <a:p>
             <a:pPr marL="342900" indent="-342900">
@@ -9419,10 +9426,6 @@
               </a:rPr>
               <a:t>models were released.</a:t>
             </a:r>
-            <a:endParaRPr lang="en-US">
-              <a:ea typeface="+mn-lt"/>
-              <a:cs typeface="+mn-lt"/>
-            </a:endParaRPr>
           </a:p>
         </p:txBody>
       </p:sp>
@@ -9728,7 +9731,7 @@
                 <a:ea typeface="+mn-lt"/>
                 <a:cs typeface="+mn-lt"/>
               </a:rPr>
-              <a:t>bike were </a:t>
+              <a:t>bikes were </a:t>
             </a:r>
             <a:r>
               <a:rPr lang="en-US" sz="2200" b="1" dirty="0">
